--- a/Enska/The super bowl.pptx
+++ b/Enska/The super bowl.pptx
@@ -5,13 +5,14 @@
     <p:sldMasterId id="2147483648" r:id="rId1"/>
   </p:sldMasterIdLst>
   <p:notesMasterIdLst>
-    <p:notesMasterId r:id="rId6"/>
+    <p:notesMasterId r:id="rId7"/>
   </p:notesMasterIdLst>
   <p:sldIdLst>
     <p:sldId id="256" r:id="rId2"/>
     <p:sldId id="258" r:id="rId3"/>
     <p:sldId id="257" r:id="rId4"/>
-    <p:sldId id="259" r:id="rId5"/>
+    <p:sldId id="260" r:id="rId5"/>
+    <p:sldId id="259" r:id="rId6"/>
   </p:sldIdLst>
   <p:sldSz cx="12192000" cy="6858000"/>
   <p:notesSz cx="6858000" cy="9144000"/>
@@ -110,6 +111,11 @@
       </a:defRPr>
     </a:lvl9pPr>
   </p:defaultTextStyle>
+  <p:extLst>
+    <p:ext uri="{EFAFB233-063F-42B5-8137-9DF3F51BA10A}">
+      <p15:sldGuideLst xmlns:p15="http://schemas.microsoft.com/office/powerpoint/2012/main"/>
+    </p:ext>
+  </p:extLst>
 </p:presentation>
 </file>
 
@@ -195,7 +201,7 @@
           <a:p>
             <a:fld id="{B0157101-7180-4535-899D-DC24E753382B}" type="datetimeFigureOut">
               <a:rPr lang="en-US" smtClean="0"/>
-              <a:t>3/12/2016</a:t>
+              <a:t>4/11/2016</a:t>
             </a:fld>
             <a:endParaRPr lang="en-US"/>
           </a:p>
@@ -1244,16 +1250,16 @@
               <a:t> is the most expensive of the year, leading to companies regularly developing their most expensive advertisements for this </a:t>
             </a:r>
             <a:r>
-              <a:rPr lang="en-US" sz="1200" b="0" i="0" kern="1200" dirty="0" err="1" smtClean="0">
-                <a:solidFill>
-                  <a:schemeClr val="tx1"/>
-                </a:solidFill>
-                <a:effectLst/>
-                <a:latin typeface="+mn-lt"/>
-                <a:ea typeface="+mn-ea"/>
-                <a:cs typeface="+mn-cs"/>
-              </a:rPr>
-              <a:t>broadcas</a:t>
+              <a:rPr lang="en-US" sz="1200" b="0" i="0" kern="1200" dirty="0" smtClean="0">
+                <a:solidFill>
+                  <a:schemeClr val="tx1"/>
+                </a:solidFill>
+                <a:effectLst/>
+                <a:latin typeface="+mn-lt"/>
+                <a:ea typeface="+mn-ea"/>
+                <a:cs typeface="+mn-cs"/>
+              </a:rPr>
+              <a:t>broadcast</a:t>
             </a:r>
             <a:endParaRPr lang="en-US" dirty="0"/>
           </a:p>
@@ -1339,6 +1345,577 @@
           <a:bodyPr/>
           <a:lstStyle/>
           <a:p>
+            <a:r>
+              <a:rPr lang="en-US" sz="1200" b="0" i="0" kern="1200" dirty="0" smtClean="0">
+                <a:solidFill>
+                  <a:schemeClr val="tx1"/>
+                </a:solidFill>
+                <a:effectLst/>
+                <a:latin typeface="+mn-lt"/>
+                <a:ea typeface="+mn-ea"/>
+                <a:cs typeface="+mn-cs"/>
+              </a:rPr>
+              <a:t>As of </a:t>
+            </a:r>
+            <a:r>
+              <a:rPr lang="en-US" sz="1200" b="0" i="0" u="none" strike="noStrike" kern="1200" dirty="0" smtClean="0">
+                <a:solidFill>
+                  <a:schemeClr val="tx1"/>
+                </a:solidFill>
+                <a:effectLst/>
+                <a:latin typeface="+mn-lt"/>
+                <a:ea typeface="+mn-ea"/>
+                <a:cs typeface="+mn-cs"/>
+                <a:hlinkClick r:id="rId3" tooltip="Super Bowl XLVIII"/>
+              </a:rPr>
+              <a:t>Super Bowl XLVIII</a:t>
+            </a:r>
+            <a:r>
+              <a:rPr lang="en-US" sz="1200" b="0" i="0" kern="1200" dirty="0" smtClean="0">
+                <a:solidFill>
+                  <a:schemeClr val="tx1"/>
+                </a:solidFill>
+                <a:effectLst/>
+                <a:latin typeface="+mn-lt"/>
+                <a:ea typeface="+mn-ea"/>
+                <a:cs typeface="+mn-cs"/>
+              </a:rPr>
+              <a:t>, 27 of 49 Super Bowls have been played in three cities: New Orleans (ten times), the </a:t>
+            </a:r>
+            <a:r>
+              <a:rPr lang="en-US" sz="1200" b="0" i="0" u="none" strike="noStrike" kern="1200" dirty="0" smtClean="0">
+                <a:solidFill>
+                  <a:schemeClr val="tx1"/>
+                </a:solidFill>
+                <a:effectLst/>
+                <a:latin typeface="+mn-lt"/>
+                <a:ea typeface="+mn-ea"/>
+                <a:cs typeface="+mn-cs"/>
+                <a:hlinkClick r:id="rId4" tooltip="South Florida metropolitan area"/>
+              </a:rPr>
+              <a:t>Greater Miami</a:t>
+            </a:r>
+            <a:r>
+              <a:rPr lang="en-US" sz="1200" b="0" i="0" kern="1200" dirty="0" smtClean="0">
+                <a:solidFill>
+                  <a:schemeClr val="tx1"/>
+                </a:solidFill>
+                <a:effectLst/>
+                <a:latin typeface="+mn-lt"/>
+                <a:ea typeface="+mn-ea"/>
+                <a:cs typeface="+mn-cs"/>
+              </a:rPr>
+              <a:t> area (ten times), and the </a:t>
+            </a:r>
+            <a:r>
+              <a:rPr lang="en-US" sz="1200" b="0" i="0" u="none" strike="noStrike" kern="1200" dirty="0" smtClean="0">
+                <a:solidFill>
+                  <a:schemeClr val="tx1"/>
+                </a:solidFill>
+                <a:effectLst/>
+                <a:latin typeface="+mn-lt"/>
+                <a:ea typeface="+mn-ea"/>
+                <a:cs typeface="+mn-cs"/>
+                <a:hlinkClick r:id="rId5" tooltip="Greater Los Angeles area"/>
+              </a:rPr>
+              <a:t>Greater Los Angeles area</a:t>
+            </a:r>
+            <a:r>
+              <a:rPr lang="en-US" sz="1200" b="0" i="0" kern="1200" dirty="0" smtClean="0">
+                <a:solidFill>
+                  <a:schemeClr val="tx1"/>
+                </a:solidFill>
+                <a:effectLst/>
+                <a:latin typeface="+mn-lt"/>
+                <a:ea typeface="+mn-ea"/>
+                <a:cs typeface="+mn-cs"/>
+              </a:rPr>
+              <a:t> (seven times). No market or region without an NFL franchise has ever hosted a Super Bowl, and the presence of an NFL team in a market or region is now a </a:t>
+            </a:r>
+            <a:r>
+              <a:rPr lang="en-US" sz="1200" b="0" i="1" u="none" strike="noStrike" kern="1200" dirty="0" smtClean="0">
+                <a:solidFill>
+                  <a:schemeClr val="tx1"/>
+                </a:solidFill>
+                <a:effectLst/>
+                <a:latin typeface="+mn-lt"/>
+                <a:ea typeface="+mn-ea"/>
+                <a:cs typeface="+mn-cs"/>
+                <a:hlinkClick r:id="rId6" tooltip="De jure"/>
+              </a:rPr>
+              <a:t>de </a:t>
+            </a:r>
+            <a:r>
+              <a:rPr lang="en-US" sz="1200" b="0" i="1" u="none" strike="noStrike" kern="1200" dirty="0" err="1" smtClean="0">
+                <a:solidFill>
+                  <a:schemeClr val="tx1"/>
+                </a:solidFill>
+                <a:effectLst/>
+                <a:latin typeface="+mn-lt"/>
+                <a:ea typeface="+mn-ea"/>
+                <a:cs typeface="+mn-cs"/>
+                <a:hlinkClick r:id="rId6" tooltip="De jure"/>
+              </a:rPr>
+              <a:t>jure</a:t>
+            </a:r>
+            <a:r>
+              <a:rPr lang="en-US" sz="1200" b="0" i="0" kern="1200" dirty="0" err="1" smtClean="0">
+                <a:solidFill>
+                  <a:schemeClr val="tx1"/>
+                </a:solidFill>
+                <a:effectLst/>
+                <a:latin typeface="+mn-lt"/>
+                <a:ea typeface="+mn-ea"/>
+                <a:cs typeface="+mn-cs"/>
+              </a:rPr>
+              <a:t>requirement</a:t>
+            </a:r>
+            <a:r>
+              <a:rPr lang="en-US" sz="1200" b="0" i="0" kern="1200" dirty="0" smtClean="0">
+                <a:solidFill>
+                  <a:schemeClr val="tx1"/>
+                </a:solidFill>
+                <a:effectLst/>
+                <a:latin typeface="+mn-lt"/>
+                <a:ea typeface="+mn-ea"/>
+                <a:cs typeface="+mn-cs"/>
+              </a:rPr>
+              <a:t> for bidding on the game.</a:t>
+            </a:r>
+            <a:r>
+              <a:rPr lang="en-US" sz="1200" b="0" i="0" u="none" strike="noStrike" kern="1200" baseline="30000" dirty="0" smtClean="0">
+                <a:solidFill>
+                  <a:schemeClr val="tx1"/>
+                </a:solidFill>
+                <a:effectLst/>
+                <a:latin typeface="+mn-lt"/>
+                <a:ea typeface="+mn-ea"/>
+                <a:cs typeface="+mn-cs"/>
+                <a:hlinkClick r:id="rId7"/>
+              </a:rPr>
+              <a:t>[40]</a:t>
+            </a:r>
+            <a:r>
+              <a:rPr lang="en-US" sz="1200" b="0" i="0" u="none" strike="noStrike" kern="1200" baseline="30000" dirty="0" smtClean="0">
+                <a:solidFill>
+                  <a:schemeClr val="tx1"/>
+                </a:solidFill>
+                <a:effectLst/>
+                <a:latin typeface="+mn-lt"/>
+                <a:ea typeface="+mn-ea"/>
+                <a:cs typeface="+mn-cs"/>
+                <a:hlinkClick r:id="rId8"/>
+              </a:rPr>
+              <a:t>[41]</a:t>
+            </a:r>
+            <a:r>
+              <a:rPr lang="en-US" sz="1200" b="0" i="0" kern="1200" dirty="0" smtClean="0">
+                <a:solidFill>
+                  <a:schemeClr val="tx1"/>
+                </a:solidFill>
+                <a:effectLst/>
+                <a:latin typeface="+mn-lt"/>
+                <a:ea typeface="+mn-ea"/>
+                <a:cs typeface="+mn-cs"/>
+              </a:rPr>
+              <a:t> The winning market is not, however, required to host the Super Bowl in the same stadium that its NFL team uses, and nine Super Bowls have been held in a stadium other than the one the NFL team in that city was using at the time. Los Angeles's last five Super Bowls were all played at the </a:t>
+            </a:r>
+            <a:r>
+              <a:rPr lang="en-US" sz="1200" b="0" i="0" u="none" strike="noStrike" kern="1200" dirty="0" smtClean="0">
+                <a:solidFill>
+                  <a:schemeClr val="tx1"/>
+                </a:solidFill>
+                <a:effectLst/>
+                <a:latin typeface="+mn-lt"/>
+                <a:ea typeface="+mn-ea"/>
+                <a:cs typeface="+mn-cs"/>
+                <a:hlinkClick r:id="rId9" tooltip="Rose Bowl (stadium)"/>
+              </a:rPr>
+              <a:t>Rose Bowl</a:t>
+            </a:r>
+            <a:endParaRPr lang="en-US" sz="1200" b="0" i="0" u="none" strike="noStrike" kern="1200" dirty="0" smtClean="0">
+              <a:solidFill>
+                <a:schemeClr val="tx1"/>
+              </a:solidFill>
+              <a:effectLst/>
+              <a:latin typeface="+mn-lt"/>
+              <a:ea typeface="+mn-ea"/>
+              <a:cs typeface="+mn-cs"/>
+            </a:endParaRPr>
+          </a:p>
+          <a:p>
+            <a:endParaRPr lang="en-US" sz="1200" b="0" i="0" u="none" strike="noStrike" kern="1200" dirty="0" smtClean="0">
+              <a:solidFill>
+                <a:schemeClr val="tx1"/>
+              </a:solidFill>
+              <a:effectLst/>
+              <a:latin typeface="+mn-lt"/>
+              <a:ea typeface="+mn-ea"/>
+              <a:cs typeface="+mn-cs"/>
+            </a:endParaRPr>
+          </a:p>
+          <a:p>
+            <a:r>
+              <a:rPr lang="en-US" sz="1200" b="0" i="0" kern="1200" dirty="0" smtClean="0">
+                <a:solidFill>
+                  <a:schemeClr val="tx1"/>
+                </a:solidFill>
+                <a:effectLst/>
+                <a:latin typeface="+mn-lt"/>
+                <a:ea typeface="+mn-ea"/>
+                <a:cs typeface="+mn-cs"/>
+              </a:rPr>
+              <a:t>No team has ever played the Super Bowl in its home stadium. Two teams have played the Super Bowl in their home market: the </a:t>
+            </a:r>
+            <a:r>
+              <a:rPr lang="en-US" sz="1200" b="0" i="0" u="none" strike="noStrike" kern="1200" dirty="0" smtClean="0">
+                <a:solidFill>
+                  <a:schemeClr val="tx1"/>
+                </a:solidFill>
+                <a:effectLst/>
+                <a:latin typeface="+mn-lt"/>
+                <a:ea typeface="+mn-ea"/>
+                <a:cs typeface="+mn-cs"/>
+                <a:hlinkClick r:id="rId10" tooltip="San Francisco 49ers"/>
+              </a:rPr>
+              <a:t>San Francisco 49ers</a:t>
+            </a:r>
+            <a:r>
+              <a:rPr lang="en-US" sz="1200" b="0" i="0" kern="1200" dirty="0" smtClean="0">
+                <a:solidFill>
+                  <a:schemeClr val="tx1"/>
+                </a:solidFill>
+                <a:effectLst/>
+                <a:latin typeface="+mn-lt"/>
+                <a:ea typeface="+mn-ea"/>
+                <a:cs typeface="+mn-cs"/>
+              </a:rPr>
+              <a:t>, who played </a:t>
+            </a:r>
+            <a:r>
+              <a:rPr lang="en-US" sz="1200" b="0" i="0" u="none" strike="noStrike" kern="1200" dirty="0" smtClean="0">
+                <a:solidFill>
+                  <a:schemeClr val="tx1"/>
+                </a:solidFill>
+                <a:effectLst/>
+                <a:latin typeface="+mn-lt"/>
+                <a:ea typeface="+mn-ea"/>
+                <a:cs typeface="+mn-cs"/>
+                <a:hlinkClick r:id="rId11" tooltip="Super Bowl XIX"/>
+              </a:rPr>
+              <a:t>Super Bowl XIX</a:t>
+            </a:r>
+            <a:r>
+              <a:rPr lang="en-US" sz="1200" b="0" i="0" kern="1200" dirty="0" smtClean="0">
+                <a:solidFill>
+                  <a:schemeClr val="tx1"/>
+                </a:solidFill>
+                <a:effectLst/>
+                <a:latin typeface="+mn-lt"/>
+                <a:ea typeface="+mn-ea"/>
+                <a:cs typeface="+mn-cs"/>
+              </a:rPr>
+              <a:t> in </a:t>
+            </a:r>
+            <a:r>
+              <a:rPr lang="en-US" sz="1200" b="0" i="0" u="none" strike="noStrike" kern="1200" dirty="0" smtClean="0">
+                <a:solidFill>
+                  <a:schemeClr val="tx1"/>
+                </a:solidFill>
+                <a:effectLst/>
+                <a:latin typeface="+mn-lt"/>
+                <a:ea typeface="+mn-ea"/>
+                <a:cs typeface="+mn-cs"/>
+                <a:hlinkClick r:id="rId12" tooltip="Stanford Stadium"/>
+              </a:rPr>
+              <a:t>Stanford Stadium</a:t>
+            </a:r>
+            <a:r>
+              <a:rPr lang="en-US" sz="1200" b="0" i="0" kern="1200" dirty="0" smtClean="0">
+                <a:solidFill>
+                  <a:schemeClr val="tx1"/>
+                </a:solidFill>
+                <a:effectLst/>
+                <a:latin typeface="+mn-lt"/>
+                <a:ea typeface="+mn-ea"/>
+                <a:cs typeface="+mn-cs"/>
+              </a:rPr>
+              <a:t> instead of </a:t>
+            </a:r>
+            <a:r>
+              <a:rPr lang="en-US" sz="1200" b="0" i="0" u="none" strike="noStrike" kern="1200" dirty="0" smtClean="0">
+                <a:solidFill>
+                  <a:schemeClr val="tx1"/>
+                </a:solidFill>
+                <a:effectLst/>
+                <a:latin typeface="+mn-lt"/>
+                <a:ea typeface="+mn-ea"/>
+                <a:cs typeface="+mn-cs"/>
+                <a:hlinkClick r:id="rId13" tooltip="Candlestick Park"/>
+              </a:rPr>
+              <a:t>Candlestick Park</a:t>
+            </a:r>
+            <a:r>
+              <a:rPr lang="en-US" sz="1200" b="0" i="0" kern="1200" dirty="0" smtClean="0">
+                <a:solidFill>
+                  <a:schemeClr val="tx1"/>
+                </a:solidFill>
+                <a:effectLst/>
+                <a:latin typeface="+mn-lt"/>
+                <a:ea typeface="+mn-ea"/>
+                <a:cs typeface="+mn-cs"/>
+              </a:rPr>
+              <a:t>; and the </a:t>
+            </a:r>
+            <a:r>
+              <a:rPr lang="en-US" sz="1200" b="0" i="0" u="none" strike="noStrike" kern="1200" dirty="0" smtClean="0">
+                <a:solidFill>
+                  <a:schemeClr val="tx1"/>
+                </a:solidFill>
+                <a:effectLst/>
+                <a:latin typeface="+mn-lt"/>
+                <a:ea typeface="+mn-ea"/>
+                <a:cs typeface="+mn-cs"/>
+                <a:hlinkClick r:id="rId14" tooltip="Los Angeles Rams"/>
+              </a:rPr>
+              <a:t>Los Angeles Rams</a:t>
+            </a:r>
+            <a:r>
+              <a:rPr lang="en-US" sz="1200" b="0" i="0" kern="1200" dirty="0" smtClean="0">
+                <a:solidFill>
+                  <a:schemeClr val="tx1"/>
+                </a:solidFill>
+                <a:effectLst/>
+                <a:latin typeface="+mn-lt"/>
+                <a:ea typeface="+mn-ea"/>
+                <a:cs typeface="+mn-cs"/>
+              </a:rPr>
+              <a:t>, who played </a:t>
+            </a:r>
+            <a:r>
+              <a:rPr lang="en-US" sz="1200" b="0" i="0" u="none" strike="noStrike" kern="1200" dirty="0" smtClean="0">
+                <a:solidFill>
+                  <a:schemeClr val="tx1"/>
+                </a:solidFill>
+                <a:effectLst/>
+                <a:latin typeface="+mn-lt"/>
+                <a:ea typeface="+mn-ea"/>
+                <a:cs typeface="+mn-cs"/>
+                <a:hlinkClick r:id="rId15" tooltip="Super Bowl XIV"/>
+              </a:rPr>
+              <a:t>Super Bowl XIV</a:t>
+            </a:r>
+            <a:r>
+              <a:rPr lang="en-US" sz="1200" b="0" i="0" kern="1200" dirty="0" smtClean="0">
+                <a:solidFill>
+                  <a:schemeClr val="tx1"/>
+                </a:solidFill>
+                <a:effectLst/>
+                <a:latin typeface="+mn-lt"/>
+                <a:ea typeface="+mn-ea"/>
+                <a:cs typeface="+mn-cs"/>
+              </a:rPr>
+              <a:t> in the Rose Bowl instead of the </a:t>
+            </a:r>
+            <a:r>
+              <a:rPr lang="en-US" sz="1200" b="0" i="0" u="none" strike="noStrike" kern="1200" dirty="0" smtClean="0">
+                <a:solidFill>
+                  <a:schemeClr val="tx1"/>
+                </a:solidFill>
+                <a:effectLst/>
+                <a:latin typeface="+mn-lt"/>
+                <a:ea typeface="+mn-ea"/>
+                <a:cs typeface="+mn-cs"/>
+                <a:hlinkClick r:id="rId16" tooltip="Los Angeles Memorial Coliseum"/>
+              </a:rPr>
+              <a:t>Los Angeles Memorial Coliseum</a:t>
+            </a:r>
+            <a:r>
+              <a:rPr lang="en-US" sz="1200" b="0" i="0" kern="1200" dirty="0" smtClean="0">
+                <a:solidFill>
+                  <a:schemeClr val="tx1"/>
+                </a:solidFill>
+                <a:effectLst/>
+                <a:latin typeface="+mn-lt"/>
+                <a:ea typeface="+mn-ea"/>
+                <a:cs typeface="+mn-cs"/>
+              </a:rPr>
+              <a:t>. In both cases, the stadium in which the Super Bowl was held was perceived to be a better stadium for a large, high-profile event than the stadiums the Rams and 49ers were playing in at the time; this situation has not arisen since 1993, in part because the league has traditionally awarded the Super Bowl in modern times to the newest stadiums. Besides those two, the only other Super Bowl venue that was not the home stadium to an NFL team at the time was </a:t>
+            </a:r>
+            <a:r>
+              <a:rPr lang="en-US" sz="1200" b="0" i="0" u="none" strike="noStrike" kern="1200" dirty="0" smtClean="0">
+                <a:solidFill>
+                  <a:schemeClr val="tx1"/>
+                </a:solidFill>
+                <a:effectLst/>
+                <a:latin typeface="+mn-lt"/>
+                <a:ea typeface="+mn-ea"/>
+                <a:cs typeface="+mn-cs"/>
+                <a:hlinkClick r:id="rId17" tooltip="Rice Stadium (Rice University)"/>
+              </a:rPr>
+              <a:t>Rice Stadium</a:t>
+            </a:r>
+            <a:r>
+              <a:rPr lang="en-US" sz="1200" b="0" i="0" kern="1200" dirty="0" smtClean="0">
+                <a:solidFill>
+                  <a:schemeClr val="tx1"/>
+                </a:solidFill>
+                <a:effectLst/>
+                <a:latin typeface="+mn-lt"/>
+                <a:ea typeface="+mn-ea"/>
+                <a:cs typeface="+mn-cs"/>
+              </a:rPr>
+              <a:t> </a:t>
+            </a:r>
+            <a:r>
+              <a:rPr lang="en-US" sz="1200" b="0" i="0" kern="1200" dirty="0" err="1" smtClean="0">
+                <a:solidFill>
+                  <a:schemeClr val="tx1"/>
+                </a:solidFill>
+                <a:effectLst/>
+                <a:latin typeface="+mn-lt"/>
+                <a:ea typeface="+mn-ea"/>
+                <a:cs typeface="+mn-cs"/>
+              </a:rPr>
+              <a:t>in</a:t>
+            </a:r>
+            <a:r>
+              <a:rPr lang="en-US" sz="1200" b="0" i="0" u="none" strike="noStrike" kern="1200" dirty="0" err="1" smtClean="0">
+                <a:solidFill>
+                  <a:schemeClr val="tx1"/>
+                </a:solidFill>
+                <a:effectLst/>
+                <a:latin typeface="+mn-lt"/>
+                <a:ea typeface="+mn-ea"/>
+                <a:cs typeface="+mn-cs"/>
+                <a:hlinkClick r:id="rId18" tooltip="Houston"/>
+              </a:rPr>
+              <a:t>Houston</a:t>
+            </a:r>
+            <a:r>
+              <a:rPr lang="en-US" sz="1200" b="0" i="0" kern="1200" dirty="0" smtClean="0">
+                <a:solidFill>
+                  <a:schemeClr val="tx1"/>
+                </a:solidFill>
+                <a:effectLst/>
+                <a:latin typeface="+mn-lt"/>
+                <a:ea typeface="+mn-ea"/>
+                <a:cs typeface="+mn-cs"/>
+              </a:rPr>
+              <a:t>: the </a:t>
+            </a:r>
+            <a:r>
+              <a:rPr lang="en-US" sz="1200" b="0" i="0" u="none" strike="noStrike" kern="1200" dirty="0" smtClean="0">
+                <a:solidFill>
+                  <a:schemeClr val="tx1"/>
+                </a:solidFill>
+                <a:effectLst/>
+                <a:latin typeface="+mn-lt"/>
+                <a:ea typeface="+mn-ea"/>
+                <a:cs typeface="+mn-cs"/>
+                <a:hlinkClick r:id="rId19" tooltip="Houston Oilers"/>
+              </a:rPr>
+              <a:t>Houston Oilers</a:t>
+            </a:r>
+            <a:r>
+              <a:rPr lang="en-US" sz="1200" b="0" i="0" kern="1200" dirty="0" smtClean="0">
+                <a:solidFill>
+                  <a:schemeClr val="tx1"/>
+                </a:solidFill>
+                <a:effectLst/>
+                <a:latin typeface="+mn-lt"/>
+                <a:ea typeface="+mn-ea"/>
+                <a:cs typeface="+mn-cs"/>
+              </a:rPr>
+              <a:t> had played there previously, but moved to </a:t>
+            </a:r>
+            <a:r>
+              <a:rPr lang="en-US" sz="1200" b="0" i="0" kern="1200" dirty="0" err="1" smtClean="0">
+                <a:solidFill>
+                  <a:schemeClr val="tx1"/>
+                </a:solidFill>
+                <a:effectLst/>
+                <a:latin typeface="+mn-lt"/>
+                <a:ea typeface="+mn-ea"/>
+                <a:cs typeface="+mn-cs"/>
+              </a:rPr>
+              <a:t>the</a:t>
+            </a:r>
+            <a:r>
+              <a:rPr lang="en-US" sz="1200" b="0" i="0" u="none" strike="noStrike" kern="1200" dirty="0" err="1" smtClean="0">
+                <a:solidFill>
+                  <a:schemeClr val="tx1"/>
+                </a:solidFill>
+                <a:effectLst/>
+                <a:latin typeface="+mn-lt"/>
+                <a:ea typeface="+mn-ea"/>
+                <a:cs typeface="+mn-cs"/>
+                <a:hlinkClick r:id="rId20" tooltip="Reliant Astrodome"/>
+              </a:rPr>
+              <a:t>Astrodome</a:t>
+            </a:r>
+            <a:r>
+              <a:rPr lang="en-US" sz="1200" b="0" i="0" kern="1200" dirty="0" smtClean="0">
+                <a:solidFill>
+                  <a:schemeClr val="tx1"/>
+                </a:solidFill>
+                <a:effectLst/>
+                <a:latin typeface="+mn-lt"/>
+                <a:ea typeface="+mn-ea"/>
+                <a:cs typeface="+mn-cs"/>
+              </a:rPr>
+              <a:t> several years prior to </a:t>
+            </a:r>
+            <a:r>
+              <a:rPr lang="en-US" sz="1200" b="0" i="0" u="none" strike="noStrike" kern="1200" dirty="0" smtClean="0">
+                <a:solidFill>
+                  <a:schemeClr val="tx1"/>
+                </a:solidFill>
+                <a:effectLst/>
+                <a:latin typeface="+mn-lt"/>
+                <a:ea typeface="+mn-ea"/>
+                <a:cs typeface="+mn-cs"/>
+                <a:hlinkClick r:id="rId21" tooltip="Super Bowl VIII"/>
+              </a:rPr>
+              <a:t>Super Bowl VIII</a:t>
+            </a:r>
+            <a:r>
+              <a:rPr lang="en-US" sz="1200" b="0" i="0" kern="1200" dirty="0" smtClean="0">
+                <a:solidFill>
+                  <a:schemeClr val="tx1"/>
+                </a:solidFill>
+                <a:effectLst/>
+                <a:latin typeface="+mn-lt"/>
+                <a:ea typeface="+mn-ea"/>
+                <a:cs typeface="+mn-cs"/>
+              </a:rPr>
+              <a:t>. The </a:t>
+            </a:r>
+            <a:r>
+              <a:rPr lang="en-US" sz="1200" b="0" i="0" u="none" strike="noStrike" kern="1200" dirty="0" smtClean="0">
+                <a:solidFill>
+                  <a:schemeClr val="tx1"/>
+                </a:solidFill>
+                <a:effectLst/>
+                <a:latin typeface="+mn-lt"/>
+                <a:ea typeface="+mn-ea"/>
+                <a:cs typeface="+mn-cs"/>
+                <a:hlinkClick r:id="rId22" tooltip="Miami Orange Bowl"/>
+              </a:rPr>
+              <a:t>Orange Bowl</a:t>
+            </a:r>
+            <a:r>
+              <a:rPr lang="en-US" sz="1200" b="0" i="0" kern="1200" dirty="0" smtClean="0">
+                <a:solidFill>
+                  <a:schemeClr val="tx1"/>
+                </a:solidFill>
+                <a:effectLst/>
+                <a:latin typeface="+mn-lt"/>
+                <a:ea typeface="+mn-ea"/>
+                <a:cs typeface="+mn-cs"/>
+              </a:rPr>
+              <a:t> was the only AFL stadium to host a Super Bowl and the only stadium to host consecutive Super Bowls, hosting Super Bowls II and III.</a:t>
+            </a:r>
             <a:endParaRPr lang="en-US" dirty="0"/>
           </a:p>
         </p:txBody>
@@ -1361,6 +1938,90 @@
             <a:fld id="{C1AC2662-4FDC-43DD-BA69-E783C6D71836}" type="slidenum">
               <a:rPr lang="en-US" smtClean="0"/>
               <a:t>4</a:t>
+            </a:fld>
+            <a:endParaRPr lang="en-US"/>
+          </a:p>
+        </p:txBody>
+      </p:sp>
+    </p:spTree>
+    <p:extLst>
+      <p:ext uri="{BB962C8B-B14F-4D97-AF65-F5344CB8AC3E}">
+        <p14:creationId xmlns:p14="http://schemas.microsoft.com/office/powerpoint/2010/main" val="477081336"/>
+      </p:ext>
+    </p:extLst>
+  </p:cSld>
+  <p:clrMapOvr>
+    <a:masterClrMapping/>
+  </p:clrMapOvr>
+</p:notes>
+</file>
+
+<file path=ppt/notesSlides/notesSlide4.xml><?xml version="1.0" encoding="utf-8"?>
+<p:notes xmlns:a="http://schemas.openxmlformats.org/drawingml/2006/main" xmlns:r="http://schemas.openxmlformats.org/officeDocument/2006/relationships" xmlns:p="http://schemas.openxmlformats.org/presentationml/2006/main">
+  <p:cSld>
+    <p:spTree>
+      <p:nvGrpSpPr>
+        <p:cNvPr id="1" name=""/>
+        <p:cNvGrpSpPr/>
+        <p:nvPr/>
+      </p:nvGrpSpPr>
+      <p:grpSpPr>
+        <a:xfrm>
+          <a:off x="0" y="0"/>
+          <a:ext cx="0" cy="0"/>
+          <a:chOff x="0" y="0"/>
+          <a:chExt cx="0" cy="0"/>
+        </a:xfrm>
+      </p:grpSpPr>
+      <p:sp>
+        <p:nvSpPr>
+          <p:cNvPr id="2" name="Slide Image Placeholder 1"/>
+          <p:cNvSpPr>
+            <a:spLocks noGrp="1" noRot="1" noChangeAspect="1"/>
+          </p:cNvSpPr>
+          <p:nvPr>
+            <p:ph type="sldImg"/>
+          </p:nvPr>
+        </p:nvSpPr>
+        <p:spPr/>
+      </p:sp>
+      <p:sp>
+        <p:nvSpPr>
+          <p:cNvPr id="3" name="Notes Placeholder 2"/>
+          <p:cNvSpPr>
+            <a:spLocks noGrp="1"/>
+          </p:cNvSpPr>
+          <p:nvPr>
+            <p:ph type="body" idx="1"/>
+          </p:nvPr>
+        </p:nvSpPr>
+        <p:spPr/>
+        <p:txBody>
+          <a:bodyPr/>
+          <a:lstStyle/>
+          <a:p>
+            <a:endParaRPr lang="en-US" dirty="0"/>
+          </a:p>
+        </p:txBody>
+      </p:sp>
+      <p:sp>
+        <p:nvSpPr>
+          <p:cNvPr id="4" name="Slide Number Placeholder 3"/>
+          <p:cNvSpPr>
+            <a:spLocks noGrp="1"/>
+          </p:cNvSpPr>
+          <p:nvPr>
+            <p:ph type="sldNum" sz="quarter" idx="10"/>
+          </p:nvPr>
+        </p:nvSpPr>
+        <p:spPr/>
+        <p:txBody>
+          <a:bodyPr/>
+          <a:lstStyle/>
+          <a:p>
+            <a:fld id="{C1AC2662-4FDC-43DD-BA69-E783C6D71836}" type="slidenum">
+              <a:rPr lang="en-US" smtClean="0"/>
+              <a:t>5</a:t>
             </a:fld>
             <a:endParaRPr lang="en-US"/>
           </a:p>
@@ -1549,7 +2210,7 @@
           <a:p>
             <a:fld id="{48A87A34-81AB-432B-8DAE-1953F412C126}" type="datetimeFigureOut">
               <a:rPr lang="en-US" dirty="0"/>
-              <a:t>3/12/2016</a:t>
+              <a:t>4/11/2016</a:t>
             </a:fld>
             <a:endParaRPr lang="en-US" dirty="0"/>
           </a:p>
@@ -1811,7 +2472,7 @@
           <a:p>
             <a:fld id="{48A87A34-81AB-432B-8DAE-1953F412C126}" type="datetimeFigureOut">
               <a:rPr lang="en-US" dirty="0"/>
-              <a:t>3/12/2016</a:t>
+              <a:t>4/11/2016</a:t>
             </a:fld>
             <a:endParaRPr lang="en-US" dirty="0"/>
           </a:p>
@@ -2038,7 +2699,7 @@
             <a:fld id="{48A87A34-81AB-432B-8DAE-1953F412C126}" type="datetimeFigureOut">
               <a:rPr lang="en-US" dirty="0"/>
               <a:pPr/>
-              <a:t>3/12/2016</a:t>
+              <a:t>4/11/2016</a:t>
             </a:fld>
             <a:endParaRPr lang="en-US" dirty="0"/>
           </a:p>
@@ -2344,7 +3005,7 @@
             <a:fld id="{48A87A34-81AB-432B-8DAE-1953F412C126}" type="datetimeFigureOut">
               <a:rPr lang="en-US" dirty="0"/>
               <a:pPr/>
-              <a:t>3/12/2016</a:t>
+              <a:t>4/11/2016</a:t>
             </a:fld>
             <a:endParaRPr lang="en-US" dirty="0"/>
           </a:p>
@@ -2813,7 +3474,7 @@
             <a:fld id="{48A87A34-81AB-432B-8DAE-1953F412C126}" type="datetimeFigureOut">
               <a:rPr lang="en-US" dirty="0"/>
               <a:pPr/>
-              <a:t>3/12/2016</a:t>
+              <a:t>4/11/2016</a:t>
             </a:fld>
             <a:endParaRPr lang="en-US" dirty="0"/>
           </a:p>
@@ -3355,7 +4016,7 @@
           <a:p>
             <a:fld id="{48A87A34-81AB-432B-8DAE-1953F412C126}" type="datetimeFigureOut">
               <a:rPr lang="en-US" dirty="0"/>
-              <a:t>3/12/2016</a:t>
+              <a:t>4/11/2016</a:t>
             </a:fld>
             <a:endParaRPr lang="en-US" dirty="0"/>
           </a:p>
@@ -4124,7 +4785,7 @@
           <a:p>
             <a:fld id="{48A87A34-81AB-432B-8DAE-1953F412C126}" type="datetimeFigureOut">
               <a:rPr lang="en-US" dirty="0"/>
-              <a:t>3/12/2016</a:t>
+              <a:t>4/11/2016</a:t>
             </a:fld>
             <a:endParaRPr lang="en-US" dirty="0"/>
           </a:p>
@@ -4294,7 +4955,7 @@
           <a:p>
             <a:fld id="{48A87A34-81AB-432B-8DAE-1953F412C126}" type="datetimeFigureOut">
               <a:rPr lang="en-US" dirty="0"/>
-              <a:t>3/12/2016</a:t>
+              <a:t>4/11/2016</a:t>
             </a:fld>
             <a:endParaRPr lang="en-US" dirty="0"/>
           </a:p>
@@ -4513,7 +5174,7 @@
             <a:fld id="{48A87A34-81AB-432B-8DAE-1953F412C126}" type="datetimeFigureOut">
               <a:rPr lang="en-US" dirty="0"/>
               <a:pPr/>
-              <a:t>3/12/2016</a:t>
+              <a:t>4/11/2016</a:t>
             </a:fld>
             <a:endParaRPr lang="en-US" dirty="0"/>
           </a:p>
@@ -4688,7 +5349,7 @@
           <a:p>
             <a:fld id="{48A87A34-81AB-432B-8DAE-1953F412C126}" type="datetimeFigureOut">
               <a:rPr lang="en-US" dirty="0"/>
-              <a:t>3/12/2016</a:t>
+              <a:t>4/11/2016</a:t>
             </a:fld>
             <a:endParaRPr lang="en-US" dirty="0"/>
           </a:p>
@@ -4973,7 +5634,7 @@
             <a:fld id="{48A87A34-81AB-432B-8DAE-1953F412C126}" type="datetimeFigureOut">
               <a:rPr lang="en-US" dirty="0"/>
               <a:pPr/>
-              <a:t>3/12/2016</a:t>
+              <a:t>4/11/2016</a:t>
             </a:fld>
             <a:endParaRPr lang="en-US" dirty="0"/>
           </a:p>
@@ -5210,7 +5871,7 @@
           <a:p>
             <a:fld id="{48A87A34-81AB-432B-8DAE-1953F412C126}" type="datetimeFigureOut">
               <a:rPr lang="en-US" dirty="0"/>
-              <a:t>3/12/2016</a:t>
+              <a:t>4/11/2016</a:t>
             </a:fld>
             <a:endParaRPr lang="en-US" dirty="0"/>
           </a:p>
@@ -5584,7 +6245,7 @@
           <a:p>
             <a:fld id="{48A87A34-81AB-432B-8DAE-1953F412C126}" type="datetimeFigureOut">
               <a:rPr lang="en-US" dirty="0"/>
-              <a:t>3/12/2016</a:t>
+              <a:t>4/11/2016</a:t>
             </a:fld>
             <a:endParaRPr lang="en-US" dirty="0"/>
           </a:p>
@@ -5697,7 +6358,7 @@
           <a:p>
             <a:fld id="{48A87A34-81AB-432B-8DAE-1953F412C126}" type="datetimeFigureOut">
               <a:rPr lang="en-US" dirty="0"/>
-              <a:t>3/12/2016</a:t>
+              <a:t>4/11/2016</a:t>
             </a:fld>
             <a:endParaRPr lang="en-US" dirty="0"/>
           </a:p>
@@ -5787,7 +6448,7 @@
           <a:p>
             <a:fld id="{48A87A34-81AB-432B-8DAE-1953F412C126}" type="datetimeFigureOut">
               <a:rPr lang="en-US" dirty="0"/>
-              <a:t>3/12/2016</a:t>
+              <a:t>4/11/2016</a:t>
             </a:fld>
             <a:endParaRPr lang="en-US" dirty="0"/>
           </a:p>
@@ -6031,7 +6692,7 @@
           <a:p>
             <a:fld id="{48A87A34-81AB-432B-8DAE-1953F412C126}" type="datetimeFigureOut">
               <a:rPr lang="en-US" dirty="0"/>
-              <a:t>3/12/2016</a:t>
+              <a:t>4/11/2016</a:t>
             </a:fld>
             <a:endParaRPr lang="en-US" dirty="0"/>
           </a:p>
@@ -6283,7 +6944,7 @@
           <a:p>
             <a:fld id="{48A87A34-81AB-432B-8DAE-1953F412C126}" type="datetimeFigureOut">
               <a:rPr lang="en-US" dirty="0"/>
-              <a:t>3/12/2016</a:t>
+              <a:t>4/11/2016</a:t>
             </a:fld>
             <a:endParaRPr lang="en-US" dirty="0"/>
           </a:p>
@@ -6522,7 +7183,7 @@
             <a:fld id="{48A87A34-81AB-432B-8DAE-1953F412C126}" type="datetimeFigureOut">
               <a:rPr lang="en-US" dirty="0"/>
               <a:pPr/>
-              <a:t>3/12/2016</a:t>
+              <a:t>4/11/2016</a:t>
             </a:fld>
             <a:endParaRPr lang="en-US" dirty="0"/>
           </a:p>
@@ -7040,17 +7701,29 @@
         </p:nvSpPr>
         <p:spPr/>
         <p:txBody>
-          <a:bodyPr/>
+          <a:bodyPr>
+            <a:normAutofit/>
+          </a:bodyPr>
           <a:lstStyle/>
           <a:p>
             <a:r>
-              <a:rPr lang="is-IS" dirty="0"/>
+              <a:rPr lang="is-IS" sz="3200" dirty="0"/>
               <a:t>Merger between NFL and AFL</a:t>
             </a:r>
-            <a:endParaRPr lang="en-US" dirty="0"/>
-          </a:p>
-          <a:p>
-            <a:endParaRPr lang="en-US" dirty="0"/>
+            <a:endParaRPr lang="en-US" sz="3200" dirty="0"/>
+          </a:p>
+          <a:p>
+            <a:r>
+              <a:rPr lang="is-IS" sz="3200" dirty="0" smtClean="0"/>
+              <a:t>1970</a:t>
+            </a:r>
+          </a:p>
+          <a:p>
+            <a:r>
+              <a:rPr lang="is-IS" sz="3200" dirty="0" smtClean="0"/>
+              <a:t>Pittaburgh Steelers</a:t>
+            </a:r>
+            <a:endParaRPr lang="en-US" sz="3200" dirty="0"/>
           </a:p>
         </p:txBody>
       </p:sp>
@@ -7141,7 +7814,31 @@
           <a:bodyPr/>
           <a:lstStyle/>
           <a:p>
-            <a:endParaRPr lang="en-US" dirty="0"/>
+            <a:r>
+              <a:rPr lang="is-IS" sz="2800" dirty="0" smtClean="0"/>
+              <a:t>The day the Super bowl is played</a:t>
+            </a:r>
+          </a:p>
+          <a:p>
+            <a:r>
+              <a:rPr lang="is-IS" sz="2800" dirty="0" smtClean="0"/>
+              <a:t>Second-largest day for U.S. Food consumption</a:t>
+            </a:r>
+          </a:p>
+          <a:p>
+            <a:r>
+              <a:rPr lang="is-IS" sz="2800" dirty="0" smtClean="0"/>
+              <a:t>The four most watched events in U.S television history are super bowls</a:t>
+            </a:r>
+          </a:p>
+          <a:p>
+            <a:r>
+              <a:rPr lang="is-IS" sz="2800" dirty="0" smtClean="0"/>
+              <a:t>114.4 million</a:t>
+            </a:r>
+          </a:p>
+          <a:p>
+            <a:endParaRPr lang="is-IS" dirty="0" smtClean="0"/>
           </a:p>
         </p:txBody>
       </p:sp>
@@ -7178,6 +7875,142 @@
 </file>
 
 <file path=ppt/slides/slide4.xml><?xml version="1.0" encoding="utf-8"?>
+<p:sld xmlns:a="http://schemas.openxmlformats.org/drawingml/2006/main" xmlns:r="http://schemas.openxmlformats.org/officeDocument/2006/relationships" xmlns:p="http://schemas.openxmlformats.org/presentationml/2006/main">
+  <p:cSld>
+    <p:spTree>
+      <p:nvGrpSpPr>
+        <p:cNvPr id="1" name=""/>
+        <p:cNvGrpSpPr/>
+        <p:nvPr/>
+      </p:nvGrpSpPr>
+      <p:grpSpPr>
+        <a:xfrm>
+          <a:off x="0" y="0"/>
+          <a:ext cx="0" cy="0"/>
+          <a:chOff x="0" y="0"/>
+          <a:chExt cx="0" cy="0"/>
+        </a:xfrm>
+      </p:grpSpPr>
+      <p:sp>
+        <p:nvSpPr>
+          <p:cNvPr id="2" name="Title 1"/>
+          <p:cNvSpPr>
+            <a:spLocks noGrp="1"/>
+          </p:cNvSpPr>
+          <p:nvPr>
+            <p:ph type="title"/>
+          </p:nvPr>
+        </p:nvSpPr>
+        <p:spPr/>
+        <p:txBody>
+          <a:bodyPr/>
+          <a:lstStyle/>
+          <a:p>
+            <a:r>
+              <a:rPr lang="is-IS" dirty="0" smtClean="0"/>
+              <a:t>Venue</a:t>
+            </a:r>
+            <a:endParaRPr lang="en-US" dirty="0"/>
+          </a:p>
+        </p:txBody>
+      </p:sp>
+      <p:sp>
+        <p:nvSpPr>
+          <p:cNvPr id="3" name="Content Placeholder 2"/>
+          <p:cNvSpPr>
+            <a:spLocks noGrp="1"/>
+          </p:cNvSpPr>
+          <p:nvPr>
+            <p:ph sz="half" idx="1"/>
+          </p:nvPr>
+        </p:nvSpPr>
+        <p:spPr/>
+        <p:txBody>
+          <a:bodyPr/>
+          <a:lstStyle/>
+          <a:p>
+            <a:r>
+              <a:rPr lang="is-IS" sz="2400" dirty="0" smtClean="0"/>
+              <a:t>Three cityes</a:t>
+            </a:r>
+          </a:p>
+          <a:p>
+            <a:pPr lvl="1"/>
+            <a:r>
+              <a:rPr lang="is-IS" sz="2400" dirty="0" smtClean="0"/>
+              <a:t>New Orleans</a:t>
+            </a:r>
+          </a:p>
+          <a:p>
+            <a:pPr lvl="1"/>
+            <a:r>
+              <a:rPr lang="is-IS" sz="2400" dirty="0" smtClean="0"/>
+              <a:t>Greater Miami area</a:t>
+            </a:r>
+          </a:p>
+          <a:p>
+            <a:pPr lvl="1"/>
+            <a:r>
+              <a:rPr lang="is-IS" sz="2400" dirty="0" smtClean="0"/>
+              <a:t>Greater LA area</a:t>
+            </a:r>
+          </a:p>
+          <a:p>
+            <a:r>
+              <a:rPr lang="is-IS" sz="2400" dirty="0" smtClean="0"/>
+              <a:t>Last five at Rose Bowls</a:t>
+            </a:r>
+          </a:p>
+          <a:p>
+            <a:r>
+              <a:rPr lang="is-IS" sz="2400" dirty="0" smtClean="0"/>
+              <a:t>Never at the teams home stadium</a:t>
+            </a:r>
+          </a:p>
+          <a:p>
+            <a:r>
+              <a:rPr lang="is-IS" sz="2400" dirty="0" smtClean="0"/>
+              <a:t>Traditionally at the newest stadium</a:t>
+            </a:r>
+          </a:p>
+          <a:p>
+            <a:endParaRPr lang="en-US" dirty="0"/>
+          </a:p>
+        </p:txBody>
+      </p:sp>
+      <p:sp>
+        <p:nvSpPr>
+          <p:cNvPr id="4" name="Content Placeholder 3"/>
+          <p:cNvSpPr>
+            <a:spLocks noGrp="1"/>
+          </p:cNvSpPr>
+          <p:nvPr>
+            <p:ph sz="half" idx="2"/>
+          </p:nvPr>
+        </p:nvSpPr>
+        <p:spPr/>
+        <p:txBody>
+          <a:bodyPr/>
+          <a:lstStyle/>
+          <a:p>
+            <a:endParaRPr lang="en-US"/>
+          </a:p>
+        </p:txBody>
+      </p:sp>
+    </p:spTree>
+    <p:extLst>
+      <p:ext uri="{BB962C8B-B14F-4D97-AF65-F5344CB8AC3E}">
+        <p14:creationId xmlns:p14="http://schemas.microsoft.com/office/powerpoint/2010/main" val="1326340387"/>
+      </p:ext>
+    </p:extLst>
+  </p:cSld>
+  <p:clrMapOvr>
+    <a:masterClrMapping/>
+  </p:clrMapOvr>
+</p:sld>
+</file>
+
+<file path=ppt/slides/slide5.xml><?xml version="1.0" encoding="utf-8"?>
 <p:sld xmlns:a="http://schemas.openxmlformats.org/drawingml/2006/main" xmlns:r="http://schemas.openxmlformats.org/officeDocument/2006/relationships" xmlns:p="http://schemas.openxmlformats.org/presentationml/2006/main">
   <p:cSld>
     <p:spTree>
